--- a/第２回.pptx
+++ b/第２回.pptx
@@ -5,7 +5,7 @@
     <p:sldMasterId id="2147483912" r:id="rId1"/>
   </p:sldMasterIdLst>
   <p:notesMasterIdLst>
-    <p:notesMasterId r:id="rId44"/>
+    <p:notesMasterId r:id="rId45"/>
   </p:notesMasterIdLst>
   <p:sldIdLst>
     <p:sldId id="256" r:id="rId2"/>
@@ -45,11 +45,12 @@
     <p:sldId id="301" r:id="rId36"/>
     <p:sldId id="290" r:id="rId37"/>
     <p:sldId id="292" r:id="rId38"/>
-    <p:sldId id="293" r:id="rId39"/>
-    <p:sldId id="300" r:id="rId40"/>
-    <p:sldId id="294" r:id="rId41"/>
-    <p:sldId id="296" r:id="rId42"/>
-    <p:sldId id="297" r:id="rId43"/>
+    <p:sldId id="302" r:id="rId39"/>
+    <p:sldId id="293" r:id="rId40"/>
+    <p:sldId id="300" r:id="rId41"/>
+    <p:sldId id="294" r:id="rId42"/>
+    <p:sldId id="296" r:id="rId43"/>
+    <p:sldId id="297" r:id="rId44"/>
   </p:sldIdLst>
   <p:sldSz cx="9144000" cy="6858000" type="screen4x3"/>
   <p:notesSz cx="6858000" cy="9144000"/>
@@ -682,7 +683,7 @@
           <a:p>
             <a:fld id="{BC18E1E3-C9B4-6143-A694-870C82526378}" type="slidenum">
               <a:rPr kumimoji="1" lang="ja-JP" altLang="en-US" smtClean="0"/>
-              <a:t>38</a:t>
+              <a:t>39</a:t>
             </a:fld>
             <a:endParaRPr kumimoji="1" lang="ja-JP" altLang="en-US"/>
           </a:p>
@@ -766,7 +767,7 @@
           <a:p>
             <a:fld id="{BC18E1E3-C9B4-6143-A694-870C82526378}" type="slidenum">
               <a:rPr kumimoji="1" lang="ja-JP" altLang="en-US" smtClean="0"/>
-              <a:t>39</a:t>
+              <a:t>40</a:t>
             </a:fld>
             <a:endParaRPr kumimoji="1" lang="ja-JP" altLang="en-US"/>
           </a:p>
@@ -979,7 +980,7 @@
             <a:fld id="{451DEABC-D766-4322-8E78-B830FAE35C72}" type="datetime4">
               <a:rPr lang="en-US" smtClean="0"/>
               <a:pPr/>
-              <a:t>2012年 10月 3日 </a:t>
+              <a:t>2012年 10月 4日 </a:t>
             </a:fld>
             <a:endParaRPr lang="en-US" dirty="0"/>
           </a:p>
@@ -1278,7 +1279,7 @@
             <a:fld id="{F3131F9E-604E-4343-9F29-EF72E8231CAD}" type="datetime4">
               <a:rPr lang="en-US" smtClean="0"/>
               <a:pPr/>
-              <a:t>2012年 10月 3日 </a:t>
+              <a:t>2012年 10月 4日 </a:t>
             </a:fld>
             <a:endParaRPr lang="en-US"/>
           </a:p>
@@ -1487,7 +1488,7 @@
             <a:fld id="{34A8E1CE-37F8-4102-8DF9-852A0A51F293}" type="datetime4">
               <a:rPr lang="en-US" smtClean="0"/>
               <a:pPr/>
-              <a:t>2012年 10月 3日 </a:t>
+              <a:t>2012年 10月 4日 </a:t>
             </a:fld>
             <a:endParaRPr lang="en-US"/>
           </a:p>
@@ -1686,7 +1687,7 @@
             <a:fld id="{93333F43-3E86-47E4-BFBB-2476D384E1C6}" type="datetime4">
               <a:rPr lang="en-US" smtClean="0"/>
               <a:pPr/>
-              <a:t>2012年 10月 3日 </a:t>
+              <a:t>2012年 10月 4日 </a:t>
             </a:fld>
             <a:endParaRPr lang="en-US"/>
           </a:p>
@@ -1937,7 +1938,7 @@
             <a:fld id="{751663BA-01FC-4367-B6F3-ABB2645D55F1}" type="datetime4">
               <a:rPr lang="en-US" smtClean="0"/>
               <a:pPr/>
-              <a:t>2012年 10月 3日 </a:t>
+              <a:t>2012年 10月 4日 </a:t>
             </a:fld>
             <a:endParaRPr lang="en-US" dirty="0"/>
           </a:p>
@@ -2286,7 +2287,7 @@
             <a:fld id="{79B19C71-EC74-44AF-B27E-FC7DC3C3A61D}" type="datetime4">
               <a:rPr lang="en-US" smtClean="0"/>
               <a:pPr/>
-              <a:t>2012年 10月 3日 </a:t>
+              <a:t>2012年 10月 4日 </a:t>
             </a:fld>
             <a:endParaRPr lang="en-US"/>
           </a:p>
@@ -2791,7 +2792,7 @@
             <a:fld id="{6A5CDA29-3CBE-48EA-92AE-A996835462BA}" type="datetime4">
               <a:rPr lang="en-US" smtClean="0"/>
               <a:pPr/>
-              <a:t>2012年 10月 3日 </a:t>
+              <a:t>2012年 10月 4日 </a:t>
             </a:fld>
             <a:endParaRPr lang="en-US"/>
           </a:p>
@@ -2906,7 +2907,7 @@
             <a:fld id="{E29EC054-3869-4501-B163-1BBFDE8DCE04}" type="datetime4">
               <a:rPr lang="en-US" smtClean="0"/>
               <a:pPr/>
-              <a:t>2012年 10月 3日 </a:t>
+              <a:t>2012年 10月 4日 </a:t>
             </a:fld>
             <a:endParaRPr lang="en-US"/>
           </a:p>
@@ -2998,7 +2999,7 @@
             <a:fld id="{0A63D831-56C1-49CF-8EF7-8B9A98402BCD}" type="datetime4">
               <a:rPr lang="en-US" smtClean="0"/>
               <a:pPr/>
-              <a:t>2012年 10月 3日 </a:t>
+              <a:t>2012年 10月 4日 </a:t>
             </a:fld>
             <a:endParaRPr lang="en-US"/>
           </a:p>
@@ -3274,7 +3275,7 @@
             <a:fld id="{6EAD5615-7F4F-4584-84D5-CC95918C321F}" type="datetime4">
               <a:rPr lang="en-US" smtClean="0"/>
               <a:pPr/>
-              <a:t>2012年 10月 3日 </a:t>
+              <a:t>2012年 10月 4日 </a:t>
             </a:fld>
             <a:endParaRPr lang="en-US"/>
           </a:p>
@@ -3570,7 +3571,7 @@
             <a:fld id="{76EEA923-9BEE-48CE-9F28-5B525F399BAD}" type="datetime4">
               <a:rPr lang="en-US" smtClean="0"/>
               <a:pPr/>
-              <a:t>2012年 10月 3日 </a:t>
+              <a:t>2012年 10月 4日 </a:t>
             </a:fld>
             <a:endParaRPr lang="en-US"/>
           </a:p>
@@ -3898,7 +3899,7 @@
             <a:fld id="{17D0EFEE-2756-4A20-BF2A-63F0A94F99AC}" type="datetime4">
               <a:rPr lang="en-US" smtClean="0"/>
               <a:pPr/>
-              <a:t>2012年 10月 3日 </a:t>
+              <a:t>2012年 10月 4日 </a:t>
             </a:fld>
             <a:endParaRPr lang="en-US" dirty="0"/>
           </a:p>
@@ -4814,11 +4815,7 @@
           <a:p>
             <a:r>
               <a:rPr kumimoji="1" lang="en-US" altLang="ja-JP" dirty="0" smtClean="0"/>
-              <a:t>JavaScript </a:t>
-            </a:r>
-            <a:r>
-              <a:rPr kumimoji="1" lang="en-US" altLang="ja-JP" dirty="0" smtClean="0"/>
-              <a:t>≠ Java</a:t>
+              <a:t>JavaScript ≠ Java</a:t>
             </a:r>
             <a:endParaRPr kumimoji="1" lang="ja-JP" altLang="en-US" dirty="0"/>
           </a:p>
@@ -6312,7 +6309,6 @@
               <a:rPr lang="en-US" altLang="ja-JP" dirty="0"/>
               <a:t>”);</a:t>
             </a:r>
-            <a:endParaRPr lang="en-US" altLang="ja-JP" dirty="0"/>
           </a:p>
         </p:txBody>
       </p:sp>
@@ -9456,6 +9452,13 @@
   <p:clrMapOvr>
     <a:masterClrMapping/>
   </p:clrMapOvr>
+  <p:timing>
+    <p:tnLst>
+      <p:par>
+        <p:cTn xmlns:p14="http://schemas.microsoft.com/office/powerpoint/2010/main" id="1" dur="indefinite" restart="never" nodeType="tmRoot"/>
+      </p:par>
+    </p:tnLst>
+  </p:timing>
 </p:sld>
 </file>
 
@@ -9532,9 +9535,16 @@
             </a:r>
           </a:p>
           <a:p>
+            <a:endParaRPr lang="en-US" altLang="ja-JP" dirty="0" smtClean="0"/>
+          </a:p>
+          <a:p>
             <a:r>
               <a:rPr lang="en-US" altLang="ja-JP" dirty="0" smtClean="0"/>
-              <a:t>for(</a:t>
+              <a:t>for</a:t>
+            </a:r>
+            <a:r>
+              <a:rPr lang="en-US" altLang="ja-JP" dirty="0" smtClean="0"/>
+              <a:t>(</a:t>
             </a:r>
             <a:r>
               <a:rPr lang="en-US" altLang="ja-JP" dirty="0" err="1" smtClean="0"/>
@@ -9599,9 +9609,16 @@
             </a:r>
           </a:p>
           <a:p>
+            <a:endParaRPr lang="en-US" altLang="ja-JP" dirty="0" smtClean="0"/>
+          </a:p>
+          <a:p>
+            <a:r>
+              <a:rPr lang="en-US" altLang="ja-JP" dirty="0" smtClean="0"/>
+              <a:t>for</a:t>
+            </a:r>
             <a:r>
               <a:rPr lang="en-US" altLang="ja-JP" dirty="0"/>
-              <a:t>for(</a:t>
+              <a:t>(</a:t>
             </a:r>
             <a:r>
               <a:rPr lang="en-US" altLang="ja-JP" dirty="0" err="1"/>
@@ -13748,6 +13765,331 @@
           <a:chExt cx="0" cy="0"/>
         </a:xfrm>
       </p:grpSpPr>
+      <p:sp>
+        <p:nvSpPr>
+          <p:cNvPr id="2" name="タイトル 1"/>
+          <p:cNvSpPr>
+            <a:spLocks noGrp="1"/>
+          </p:cNvSpPr>
+          <p:nvPr>
+            <p:ph type="title"/>
+          </p:nvPr>
+        </p:nvSpPr>
+        <p:spPr/>
+        <p:txBody>
+          <a:bodyPr/>
+          <a:lstStyle/>
+          <a:p>
+            <a:r>
+              <a:rPr kumimoji="1" lang="ja-JP" altLang="en-US" dirty="0" smtClean="0"/>
+              <a:t>各サーバは自分の分だけ</a:t>
+            </a:r>
+            <a:r>
+              <a:rPr kumimoji="1" lang="en-US" altLang="ja-JP" dirty="0" smtClean="0"/>
+              <a:t/>
+            </a:r>
+            <a:br>
+              <a:rPr kumimoji="1" lang="en-US" altLang="ja-JP" dirty="0" smtClean="0"/>
+            </a:br>
+            <a:r>
+              <a:rPr kumimoji="1" lang="ja-JP" altLang="en-US" dirty="0" smtClean="0"/>
+              <a:t>仕事するよね？</a:t>
+            </a:r>
+            <a:endParaRPr kumimoji="1" lang="ja-JP" altLang="en-US" dirty="0"/>
+          </a:p>
+        </p:txBody>
+      </p:sp>
+      <p:pic>
+        <p:nvPicPr>
+          <p:cNvPr id="4" name="図 3" descr="imgres.jpeg"/>
+          <p:cNvPicPr>
+            <a:picLocks noChangeAspect="1"/>
+          </p:cNvPicPr>
+          <p:nvPr/>
+        </p:nvPicPr>
+        <p:blipFill>
+          <a:blip r:embed="rId2">
+            <a:extLst>
+              <a:ext uri="{28A0092B-C50C-407E-A947-70E740481C1C}">
+                <a14:useLocalDpi xmlns:a14="http://schemas.microsoft.com/office/drawing/2010/main" val="0"/>
+              </a:ext>
+            </a:extLst>
+          </a:blip>
+          <a:stretch>
+            <a:fillRect/>
+          </a:stretch>
+        </p:blipFill>
+        <p:spPr>
+          <a:xfrm>
+            <a:off x="855578" y="1747253"/>
+            <a:ext cx="3048000" cy="1879600"/>
+          </a:xfrm>
+          <a:prstGeom prst="rect">
+            <a:avLst/>
+          </a:prstGeom>
+        </p:spPr>
+      </p:pic>
+      <p:sp>
+        <p:nvSpPr>
+          <p:cNvPr id="5" name="メモ 4"/>
+          <p:cNvSpPr/>
+          <p:nvPr/>
+        </p:nvSpPr>
+        <p:spPr>
+          <a:xfrm>
+            <a:off x="1336848" y="2144295"/>
+            <a:ext cx="855579" cy="734244"/>
+          </a:xfrm>
+          <a:prstGeom prst="foldedCorner">
+            <a:avLst/>
+          </a:prstGeom>
+          <a:solidFill>
+            <a:srgbClr val="3366FF"/>
+          </a:solidFill>
+        </p:spPr>
+        <p:style>
+          <a:lnRef idx="1">
+            <a:schemeClr val="accent1"/>
+          </a:lnRef>
+          <a:fillRef idx="3">
+            <a:schemeClr val="accent1"/>
+          </a:fillRef>
+          <a:effectRef idx="2">
+            <a:schemeClr val="accent1"/>
+          </a:effectRef>
+          <a:fontRef idx="minor">
+            <a:schemeClr val="lt1"/>
+          </a:fontRef>
+        </p:style>
+        <p:txBody>
+          <a:bodyPr rtlCol="0" anchor="ctr"/>
+          <a:lstStyle/>
+          <a:p>
+            <a:pPr algn="ctr"/>
+            <a:r>
+              <a:rPr kumimoji="1" lang="en-US" altLang="ja-JP" dirty="0" smtClean="0"/>
+              <a:t>ar1</a:t>
+            </a:r>
+            <a:endParaRPr kumimoji="1" lang="ja-JP" altLang="en-US" dirty="0"/>
+          </a:p>
+        </p:txBody>
+      </p:sp>
+      <p:sp>
+        <p:nvSpPr>
+          <p:cNvPr id="6" name="メモ 5"/>
+          <p:cNvSpPr/>
+          <p:nvPr/>
+        </p:nvSpPr>
+        <p:spPr>
+          <a:xfrm>
+            <a:off x="1965158" y="1991895"/>
+            <a:ext cx="855579" cy="734244"/>
+          </a:xfrm>
+          <a:prstGeom prst="foldedCorner">
+            <a:avLst/>
+          </a:prstGeom>
+        </p:spPr>
+        <p:style>
+          <a:lnRef idx="1">
+            <a:schemeClr val="accent1"/>
+          </a:lnRef>
+          <a:fillRef idx="3">
+            <a:schemeClr val="accent1"/>
+          </a:fillRef>
+          <a:effectRef idx="2">
+            <a:schemeClr val="accent1"/>
+          </a:effectRef>
+          <a:fontRef idx="minor">
+            <a:schemeClr val="lt1"/>
+          </a:fontRef>
+        </p:style>
+        <p:txBody>
+          <a:bodyPr rtlCol="0" anchor="ctr"/>
+          <a:lstStyle/>
+          <a:p>
+            <a:pPr algn="ctr"/>
+            <a:r>
+              <a:rPr kumimoji="1" lang="en-US" altLang="ja-JP" dirty="0" smtClean="0"/>
+              <a:t>map</a:t>
+            </a:r>
+            <a:endParaRPr kumimoji="1" lang="ja-JP" altLang="en-US" dirty="0"/>
+          </a:p>
+        </p:txBody>
+      </p:sp>
+      <p:sp>
+        <p:nvSpPr>
+          <p:cNvPr id="10" name="メモ 9"/>
+          <p:cNvSpPr/>
+          <p:nvPr/>
+        </p:nvSpPr>
+        <p:spPr>
+          <a:xfrm>
+            <a:off x="6248400" y="3328737"/>
+            <a:ext cx="868948" cy="1056105"/>
+          </a:xfrm>
+          <a:prstGeom prst="foldedCorner">
+            <a:avLst/>
+          </a:prstGeom>
+          <a:solidFill>
+            <a:schemeClr val="tx2"/>
+          </a:solidFill>
+        </p:spPr>
+        <p:style>
+          <a:lnRef idx="1">
+            <a:schemeClr val="accent1"/>
+          </a:lnRef>
+          <a:fillRef idx="3">
+            <a:schemeClr val="accent1"/>
+          </a:fillRef>
+          <a:effectRef idx="2">
+            <a:schemeClr val="accent1"/>
+          </a:effectRef>
+          <a:fontRef idx="minor">
+            <a:schemeClr val="lt1"/>
+          </a:fontRef>
+        </p:style>
+        <p:txBody>
+          <a:bodyPr rtlCol="0" anchor="ctr"/>
+          <a:lstStyle/>
+          <a:p>
+            <a:pPr algn="ctr"/>
+            <a:r>
+              <a:rPr kumimoji="1" lang="ja-JP" altLang="en-US" dirty="0" smtClean="0"/>
+              <a:t>関数</a:t>
+            </a:r>
+            <a:endParaRPr kumimoji="1" lang="ja-JP" altLang="en-US" dirty="0"/>
+          </a:p>
+        </p:txBody>
+      </p:sp>
+      <p:cxnSp>
+        <p:nvCxnSpPr>
+          <p:cNvPr id="11" name="直線矢印コネクタ 10"/>
+          <p:cNvCxnSpPr>
+            <a:stCxn id="10" idx="1"/>
+            <a:endCxn id="4" idx="3"/>
+          </p:cNvCxnSpPr>
+          <p:nvPr/>
+        </p:nvCxnSpPr>
+        <p:spPr>
+          <a:xfrm flipH="1" flipV="1">
+            <a:off x="3903578" y="2687053"/>
+            <a:ext cx="2344822" cy="1169737"/>
+          </a:xfrm>
+          <a:prstGeom prst="straightConnector1">
+            <a:avLst/>
+          </a:prstGeom>
+          <a:ln>
+            <a:headEnd type="triangle"/>
+            <a:tailEnd type="none"/>
+          </a:ln>
+        </p:spPr>
+        <p:style>
+          <a:lnRef idx="2">
+            <a:schemeClr val="accent1"/>
+          </a:lnRef>
+          <a:fillRef idx="0">
+            <a:schemeClr val="accent1"/>
+          </a:fillRef>
+          <a:effectRef idx="1">
+            <a:schemeClr val="accent1"/>
+          </a:effectRef>
+          <a:fontRef idx="minor">
+            <a:schemeClr val="tx1"/>
+          </a:fontRef>
+        </p:style>
+      </p:cxnSp>
+      <p:sp>
+        <p:nvSpPr>
+          <p:cNvPr id="13" name="テキスト ボックス 12"/>
+          <p:cNvSpPr txBox="1"/>
+          <p:nvPr/>
+        </p:nvSpPr>
+        <p:spPr>
+          <a:xfrm>
+            <a:off x="2719136" y="3626853"/>
+            <a:ext cx="3015916" cy="369332"/>
+          </a:xfrm>
+          <a:prstGeom prst="rect">
+            <a:avLst/>
+          </a:prstGeom>
+          <a:noFill/>
+          <a:ln>
+            <a:solidFill>
+              <a:srgbClr val="000000"/>
+            </a:solidFill>
+          </a:ln>
+        </p:spPr>
+        <p:txBody>
+          <a:bodyPr wrap="square" rtlCol="0">
+            <a:spAutoFit/>
+          </a:bodyPr>
+          <a:lstStyle/>
+          <a:p>
+            <a:r>
+              <a:rPr kumimoji="1" lang="en-US" altLang="ja-JP" dirty="0" smtClean="0"/>
+              <a:t>[</a:t>
+            </a:r>
+            <a:r>
+              <a:rPr kumimoji="1" lang="ja-JP" altLang="en-US" dirty="0" smtClean="0"/>
+              <a:t>平家物語</a:t>
+            </a:r>
+            <a:r>
+              <a:rPr kumimoji="1" lang="en-US" altLang="ja-JP" dirty="0" smtClean="0"/>
+              <a:t>, </a:t>
+            </a:r>
+            <a:r>
+              <a:rPr kumimoji="1" lang="ja-JP" altLang="en-US" dirty="0" smtClean="0"/>
+              <a:t>京都観光案内</a:t>
+            </a:r>
+            <a:r>
+              <a:rPr kumimoji="1" lang="en-US" altLang="ja-JP" dirty="0" smtClean="0"/>
+              <a:t>…</a:t>
+            </a:r>
+            <a:r>
+              <a:rPr kumimoji="1" lang="en-US" altLang="ja-JP" dirty="0" smtClean="0"/>
+              <a:t>]</a:t>
+            </a:r>
+            <a:endParaRPr kumimoji="1" lang="ja-JP" altLang="en-US" dirty="0"/>
+          </a:p>
+        </p:txBody>
+      </p:sp>
+    </p:spTree>
+    <p:extLst>
+      <p:ext uri="{BB962C8B-B14F-4D97-AF65-F5344CB8AC3E}">
+        <p14:creationId xmlns:p14="http://schemas.microsoft.com/office/powerpoint/2010/main" val="1162828426"/>
+      </p:ext>
+    </p:extLst>
+  </p:cSld>
+  <p:clrMapOvr>
+    <a:masterClrMapping/>
+  </p:clrMapOvr>
+  <p:timing>
+    <p:tnLst>
+      <p:par>
+        <p:cTn xmlns:p14="http://schemas.microsoft.com/office/powerpoint/2010/main" id="1" dur="indefinite" restart="never" nodeType="tmRoot"/>
+      </p:par>
+    </p:tnLst>
+  </p:timing>
+</p:sld>
+</file>
+
+<file path=ppt/slides/slide39.xml><?xml version="1.0" encoding="utf-8"?>
+<p:sld xmlns:a="http://schemas.openxmlformats.org/drawingml/2006/main" xmlns:r="http://schemas.openxmlformats.org/officeDocument/2006/relationships" xmlns:p="http://schemas.openxmlformats.org/presentationml/2006/main">
+  <p:cSld>
+    <p:spTree>
+      <p:nvGrpSpPr>
+        <p:cNvPr id="1" name=""/>
+        <p:cNvGrpSpPr/>
+        <p:nvPr/>
+      </p:nvGrpSpPr>
+      <p:grpSpPr>
+        <a:xfrm>
+          <a:off x="0" y="0"/>
+          <a:ext cx="0" cy="0"/>
+          <a:chOff x="0" y="0"/>
+          <a:chExt cx="0" cy="0"/>
+        </a:xfrm>
+      </p:grpSpPr>
       <p:pic>
         <p:nvPicPr>
           <p:cNvPr id="6" name="図 5" descr="imgres.jpeg"/>
@@ -14429,7 +14771,127 @@
 </p:sld>
 </file>
 
-<file path=ppt/slides/slide39.xml><?xml version="1.0" encoding="utf-8"?>
+<file path=ppt/slides/slide4.xml><?xml version="1.0" encoding="utf-8"?>
+<p:sld xmlns:a="http://schemas.openxmlformats.org/drawingml/2006/main" xmlns:r="http://schemas.openxmlformats.org/officeDocument/2006/relationships" xmlns:p="http://schemas.openxmlformats.org/presentationml/2006/main">
+  <p:cSld>
+    <p:spTree>
+      <p:nvGrpSpPr>
+        <p:cNvPr id="1" name=""/>
+        <p:cNvGrpSpPr/>
+        <p:nvPr/>
+      </p:nvGrpSpPr>
+      <p:grpSpPr>
+        <a:xfrm>
+          <a:off x="0" y="0"/>
+          <a:ext cx="0" cy="0"/>
+          <a:chOff x="0" y="0"/>
+          <a:chExt cx="0" cy="0"/>
+        </a:xfrm>
+      </p:grpSpPr>
+      <p:sp>
+        <p:nvSpPr>
+          <p:cNvPr id="2" name="タイトル 1"/>
+          <p:cNvSpPr>
+            <a:spLocks noGrp="1"/>
+          </p:cNvSpPr>
+          <p:nvPr>
+            <p:ph type="title"/>
+          </p:nvPr>
+        </p:nvSpPr>
+        <p:spPr/>
+        <p:txBody>
+          <a:bodyPr/>
+          <a:lstStyle/>
+          <a:p>
+            <a:r>
+              <a:rPr kumimoji="1" lang="en-US" altLang="ja-JP" dirty="0" err="1" smtClean="0"/>
+              <a:t>Mooklet</a:t>
+            </a:r>
+            <a:endParaRPr kumimoji="1" lang="ja-JP" altLang="en-US" dirty="0"/>
+          </a:p>
+        </p:txBody>
+      </p:sp>
+      <p:pic>
+        <p:nvPicPr>
+          <p:cNvPr id="6" name="図 5" descr="mza_2550036716961875715.320x480-75.jpeg"/>
+          <p:cNvPicPr>
+            <a:picLocks noChangeAspect="1"/>
+          </p:cNvPicPr>
+          <p:nvPr/>
+        </p:nvPicPr>
+        <p:blipFill>
+          <a:blip r:embed="rId2">
+            <a:extLst>
+              <a:ext uri="{28A0092B-C50C-407E-A947-70E740481C1C}">
+                <a14:useLocalDpi xmlns:a14="http://schemas.microsoft.com/office/drawing/2010/main" val="0"/>
+              </a:ext>
+            </a:extLst>
+          </a:blip>
+          <a:stretch>
+            <a:fillRect/>
+          </a:stretch>
+        </p:blipFill>
+        <p:spPr>
+          <a:xfrm>
+            <a:off x="1483895" y="2045368"/>
+            <a:ext cx="2844800" cy="4267200"/>
+          </a:xfrm>
+          <a:prstGeom prst="rect">
+            <a:avLst/>
+          </a:prstGeom>
+        </p:spPr>
+      </p:pic>
+      <p:pic>
+        <p:nvPicPr>
+          <p:cNvPr id="9" name="図 8" descr="mza_728298222590348137.320x480-75.jpeg"/>
+          <p:cNvPicPr>
+            <a:picLocks noChangeAspect="1"/>
+          </p:cNvPicPr>
+          <p:nvPr/>
+        </p:nvPicPr>
+        <p:blipFill>
+          <a:blip r:embed="rId3">
+            <a:extLst>
+              <a:ext uri="{28A0092B-C50C-407E-A947-70E740481C1C}">
+                <a14:useLocalDpi xmlns:a14="http://schemas.microsoft.com/office/drawing/2010/main" val="0"/>
+              </a:ext>
+            </a:extLst>
+          </a:blip>
+          <a:stretch>
+            <a:fillRect/>
+          </a:stretch>
+        </p:blipFill>
+        <p:spPr>
+          <a:xfrm>
+            <a:off x="5029714" y="2045368"/>
+            <a:ext cx="2880000" cy="4320000"/>
+          </a:xfrm>
+          <a:prstGeom prst="rect">
+            <a:avLst/>
+          </a:prstGeom>
+        </p:spPr>
+      </p:pic>
+    </p:spTree>
+    <p:extLst>
+      <p:ext uri="{BB962C8B-B14F-4D97-AF65-F5344CB8AC3E}">
+        <p14:creationId xmlns:p14="http://schemas.microsoft.com/office/powerpoint/2010/main" val="2801457692"/>
+      </p:ext>
+    </p:extLst>
+  </p:cSld>
+  <p:clrMapOvr>
+    <a:masterClrMapping/>
+  </p:clrMapOvr>
+  <p:timing>
+    <p:tnLst>
+      <p:par>
+        <p:cTn xmlns:p14="http://schemas.microsoft.com/office/powerpoint/2010/main" id="1" dur="indefinite" restart="never" nodeType="tmRoot"/>
+      </p:par>
+    </p:tnLst>
+  </p:timing>
+</p:sld>
+</file>
+
+<file path=ppt/slides/slide40.xml><?xml version="1.0" encoding="utf-8"?>
 <p:sld xmlns:a="http://schemas.openxmlformats.org/drawingml/2006/main" xmlns:r="http://schemas.openxmlformats.org/officeDocument/2006/relationships" xmlns:p="http://schemas.openxmlformats.org/presentationml/2006/main">
   <p:cSld>
     <p:spTree>
@@ -15234,127 +15696,7 @@
 </p:sld>
 </file>
 
-<file path=ppt/slides/slide4.xml><?xml version="1.0" encoding="utf-8"?>
-<p:sld xmlns:a="http://schemas.openxmlformats.org/drawingml/2006/main" xmlns:r="http://schemas.openxmlformats.org/officeDocument/2006/relationships" xmlns:p="http://schemas.openxmlformats.org/presentationml/2006/main">
-  <p:cSld>
-    <p:spTree>
-      <p:nvGrpSpPr>
-        <p:cNvPr id="1" name=""/>
-        <p:cNvGrpSpPr/>
-        <p:nvPr/>
-      </p:nvGrpSpPr>
-      <p:grpSpPr>
-        <a:xfrm>
-          <a:off x="0" y="0"/>
-          <a:ext cx="0" cy="0"/>
-          <a:chOff x="0" y="0"/>
-          <a:chExt cx="0" cy="0"/>
-        </a:xfrm>
-      </p:grpSpPr>
-      <p:sp>
-        <p:nvSpPr>
-          <p:cNvPr id="2" name="タイトル 1"/>
-          <p:cNvSpPr>
-            <a:spLocks noGrp="1"/>
-          </p:cNvSpPr>
-          <p:nvPr>
-            <p:ph type="title"/>
-          </p:nvPr>
-        </p:nvSpPr>
-        <p:spPr/>
-        <p:txBody>
-          <a:bodyPr/>
-          <a:lstStyle/>
-          <a:p>
-            <a:r>
-              <a:rPr kumimoji="1" lang="en-US" altLang="ja-JP" dirty="0" err="1" smtClean="0"/>
-              <a:t>Mooklet</a:t>
-            </a:r>
-            <a:endParaRPr kumimoji="1" lang="ja-JP" altLang="en-US" dirty="0"/>
-          </a:p>
-        </p:txBody>
-      </p:sp>
-      <p:pic>
-        <p:nvPicPr>
-          <p:cNvPr id="6" name="図 5" descr="mza_2550036716961875715.320x480-75.jpeg"/>
-          <p:cNvPicPr>
-            <a:picLocks noChangeAspect="1"/>
-          </p:cNvPicPr>
-          <p:nvPr/>
-        </p:nvPicPr>
-        <p:blipFill>
-          <a:blip r:embed="rId2">
-            <a:extLst>
-              <a:ext uri="{28A0092B-C50C-407E-A947-70E740481C1C}">
-                <a14:useLocalDpi xmlns:a14="http://schemas.microsoft.com/office/drawing/2010/main" val="0"/>
-              </a:ext>
-            </a:extLst>
-          </a:blip>
-          <a:stretch>
-            <a:fillRect/>
-          </a:stretch>
-        </p:blipFill>
-        <p:spPr>
-          <a:xfrm>
-            <a:off x="1483895" y="2045368"/>
-            <a:ext cx="2844800" cy="4267200"/>
-          </a:xfrm>
-          <a:prstGeom prst="rect">
-            <a:avLst/>
-          </a:prstGeom>
-        </p:spPr>
-      </p:pic>
-      <p:pic>
-        <p:nvPicPr>
-          <p:cNvPr id="9" name="図 8" descr="mza_728298222590348137.320x480-75.jpeg"/>
-          <p:cNvPicPr>
-            <a:picLocks noChangeAspect="1"/>
-          </p:cNvPicPr>
-          <p:nvPr/>
-        </p:nvPicPr>
-        <p:blipFill>
-          <a:blip r:embed="rId3">
-            <a:extLst>
-              <a:ext uri="{28A0092B-C50C-407E-A947-70E740481C1C}">
-                <a14:useLocalDpi xmlns:a14="http://schemas.microsoft.com/office/drawing/2010/main" val="0"/>
-              </a:ext>
-            </a:extLst>
-          </a:blip>
-          <a:stretch>
-            <a:fillRect/>
-          </a:stretch>
-        </p:blipFill>
-        <p:spPr>
-          <a:xfrm>
-            <a:off x="5029714" y="2045368"/>
-            <a:ext cx="2880000" cy="4320000"/>
-          </a:xfrm>
-          <a:prstGeom prst="rect">
-            <a:avLst/>
-          </a:prstGeom>
-        </p:spPr>
-      </p:pic>
-    </p:spTree>
-    <p:extLst>
-      <p:ext uri="{BB962C8B-B14F-4D97-AF65-F5344CB8AC3E}">
-        <p14:creationId xmlns:p14="http://schemas.microsoft.com/office/powerpoint/2010/main" val="2801457692"/>
-      </p:ext>
-    </p:extLst>
-  </p:cSld>
-  <p:clrMapOvr>
-    <a:masterClrMapping/>
-  </p:clrMapOvr>
-  <p:timing>
-    <p:tnLst>
-      <p:par>
-        <p:cTn xmlns:p14="http://schemas.microsoft.com/office/powerpoint/2010/main" id="1" dur="indefinite" restart="never" nodeType="tmRoot"/>
-      </p:par>
-    </p:tnLst>
-  </p:timing>
-</p:sld>
-</file>
-
-<file path=ppt/slides/slide40.xml><?xml version="1.0" encoding="utf-8"?>
+<file path=ppt/slides/slide41.xml><?xml version="1.0" encoding="utf-8"?>
 <p:sld xmlns:a="http://schemas.openxmlformats.org/drawingml/2006/main" xmlns:r="http://schemas.openxmlformats.org/officeDocument/2006/relationships" xmlns:p="http://schemas.openxmlformats.org/presentationml/2006/main">
   <p:cSld>
     <p:spTree>
@@ -15444,7 +15786,7 @@
 </p:sld>
 </file>
 
-<file path=ppt/slides/slide41.xml><?xml version="1.0" encoding="utf-8"?>
+<file path=ppt/slides/slide42.xml><?xml version="1.0" encoding="utf-8"?>
 <p:sld xmlns:a="http://schemas.openxmlformats.org/drawingml/2006/main" xmlns:r="http://schemas.openxmlformats.org/officeDocument/2006/relationships" xmlns:p="http://schemas.openxmlformats.org/presentationml/2006/main">
   <p:cSld>
     <p:spTree>
@@ -15569,10 +15911,17 @@
   <p:clrMapOvr>
     <a:masterClrMapping/>
   </p:clrMapOvr>
+  <p:timing>
+    <p:tnLst>
+      <p:par>
+        <p:cTn xmlns:p14="http://schemas.microsoft.com/office/powerpoint/2010/main" id="1" dur="indefinite" restart="never" nodeType="tmRoot"/>
+      </p:par>
+    </p:tnLst>
+  </p:timing>
 </p:sld>
 </file>
 
-<file path=ppt/slides/slide42.xml><?xml version="1.0" encoding="utf-8"?>
+<file path=ppt/slides/slide43.xml><?xml version="1.0" encoding="utf-8"?>
 <p:sld xmlns:a="http://schemas.openxmlformats.org/drawingml/2006/main" xmlns:r="http://schemas.openxmlformats.org/officeDocument/2006/relationships" xmlns:p="http://schemas.openxmlformats.org/presentationml/2006/main">
   <p:cSld>
     <p:spTree>
@@ -15740,6 +16089,13 @@
   <p:clrMapOvr>
     <a:masterClrMapping/>
   </p:clrMapOvr>
+  <p:timing>
+    <p:tnLst>
+      <p:par>
+        <p:cTn xmlns:p14="http://schemas.microsoft.com/office/powerpoint/2010/main" id="1" dur="indefinite" restart="never" nodeType="tmRoot"/>
+      </p:par>
+    </p:tnLst>
+  </p:timing>
 </p:sld>
 </file>
 
